--- a/Final Presentation.pptx
+++ b/Final Presentation.pptx
@@ -4992,177 +4992,9 @@
           <a:bodyPr/>
           <a:lstStyle/>
           <a:p>
-            <a:endParaRPr lang="en-US" dirty="0"/>
-          </a:p>
-        </p:txBody>
-      </p:sp>
-      <p:sp>
-        <p:nvSpPr>
-          <p:cNvPr id="4" name="Slide Number Placeholder 3"/>
-          <p:cNvSpPr>
-            <a:spLocks noGrp="1"/>
-          </p:cNvSpPr>
-          <p:nvPr>
-            <p:ph type="sldNum" sz="quarter" idx="5"/>
-          </p:nvPr>
-        </p:nvSpPr>
-        <p:spPr/>
-        <p:txBody>
-          <a:bodyPr/>
-          <a:lstStyle/>
-          <a:p>
-            <a:fld id="{CED239BD-A3F0-40C5-8A6C-A7A2BD678A36}" type="slidenum">
-              <a:rPr lang="en-US" smtClean="0"/>
-              <a:t>2</a:t>
-            </a:fld>
-            <a:endParaRPr lang="en-US"/>
-          </a:p>
-        </p:txBody>
-      </p:sp>
-    </p:spTree>
-    <p:extLst>
-      <p:ext uri="{BB962C8B-B14F-4D97-AF65-F5344CB8AC3E}">
-        <p14:creationId xmlns:p14="http://schemas.microsoft.com/office/powerpoint/2010/main" val="1766649295"/>
-      </p:ext>
-    </p:extLst>
-  </p:cSld>
-  <p:clrMapOvr>
-    <a:masterClrMapping/>
-  </p:clrMapOvr>
-</p:notes>
-</file>
-
-<file path=ppt/notesSlides/notesSlide10.xml><?xml version="1.0" encoding="utf-8"?>
-<p:notes xmlns:a="http://schemas.openxmlformats.org/drawingml/2006/main" xmlns:r="http://schemas.openxmlformats.org/officeDocument/2006/relationships" xmlns:p="http://schemas.openxmlformats.org/presentationml/2006/main">
-  <p:cSld>
-    <p:spTree>
-      <p:nvGrpSpPr>
-        <p:cNvPr id="1" name=""/>
-        <p:cNvGrpSpPr/>
-        <p:nvPr/>
-      </p:nvGrpSpPr>
-      <p:grpSpPr>
-        <a:xfrm>
-          <a:off x="0" y="0"/>
-          <a:ext cx="0" cy="0"/>
-          <a:chOff x="0" y="0"/>
-          <a:chExt cx="0" cy="0"/>
-        </a:xfrm>
-      </p:grpSpPr>
-      <p:sp>
-        <p:nvSpPr>
-          <p:cNvPr id="2" name="Slide Image Placeholder 1"/>
-          <p:cNvSpPr>
-            <a:spLocks noGrp="1" noRot="1" noChangeAspect="1"/>
-          </p:cNvSpPr>
-          <p:nvPr>
-            <p:ph type="sldImg"/>
-          </p:nvPr>
-        </p:nvSpPr>
-        <p:spPr/>
-      </p:sp>
-      <p:sp>
-        <p:nvSpPr>
-          <p:cNvPr id="3" name="Notes Placeholder 2"/>
-          <p:cNvSpPr>
-            <a:spLocks noGrp="1"/>
-          </p:cNvSpPr>
-          <p:nvPr>
-            <p:ph type="body" idx="1"/>
-          </p:nvPr>
-        </p:nvSpPr>
-        <p:spPr/>
-        <p:txBody>
-          <a:bodyPr/>
-          <a:lstStyle/>
-          <a:p>
-            <a:endParaRPr lang="en-US" dirty="0"/>
-          </a:p>
-        </p:txBody>
-      </p:sp>
-      <p:sp>
-        <p:nvSpPr>
-          <p:cNvPr id="4" name="Slide Number Placeholder 3"/>
-          <p:cNvSpPr>
-            <a:spLocks noGrp="1"/>
-          </p:cNvSpPr>
-          <p:nvPr>
-            <p:ph type="sldNum" sz="quarter" idx="5"/>
-          </p:nvPr>
-        </p:nvSpPr>
-        <p:spPr/>
-        <p:txBody>
-          <a:bodyPr/>
-          <a:lstStyle/>
-          <a:p>
-            <a:fld id="{CED239BD-A3F0-40C5-8A6C-A7A2BD678A36}" type="slidenum">
-              <a:rPr lang="en-US" smtClean="0"/>
-              <a:t>11</a:t>
-            </a:fld>
-            <a:endParaRPr lang="en-US"/>
-          </a:p>
-        </p:txBody>
-      </p:sp>
-    </p:spTree>
-    <p:extLst>
-      <p:ext uri="{BB962C8B-B14F-4D97-AF65-F5344CB8AC3E}">
-        <p14:creationId xmlns:p14="http://schemas.microsoft.com/office/powerpoint/2010/main" val="2278515073"/>
-      </p:ext>
-    </p:extLst>
-  </p:cSld>
-  <p:clrMapOvr>
-    <a:masterClrMapping/>
-  </p:clrMapOvr>
-</p:notes>
-</file>
-
-<file path=ppt/notesSlides/notesSlide11.xml><?xml version="1.0" encoding="utf-8"?>
-<p:notes xmlns:a="http://schemas.openxmlformats.org/drawingml/2006/main" xmlns:r="http://schemas.openxmlformats.org/officeDocument/2006/relationships" xmlns:p="http://schemas.openxmlformats.org/presentationml/2006/main">
-  <p:cSld>
-    <p:spTree>
-      <p:nvGrpSpPr>
-        <p:cNvPr id="1" name=""/>
-        <p:cNvGrpSpPr/>
-        <p:nvPr/>
-      </p:nvGrpSpPr>
-      <p:grpSpPr>
-        <a:xfrm>
-          <a:off x="0" y="0"/>
-          <a:ext cx="0" cy="0"/>
-          <a:chOff x="0" y="0"/>
-          <a:chExt cx="0" cy="0"/>
-        </a:xfrm>
-      </p:grpSpPr>
-      <p:sp>
-        <p:nvSpPr>
-          <p:cNvPr id="2" name="Slide Image Placeholder 1"/>
-          <p:cNvSpPr>
-            <a:spLocks noGrp="1" noRot="1" noChangeAspect="1"/>
-          </p:cNvSpPr>
-          <p:nvPr>
-            <p:ph type="sldImg"/>
-          </p:nvPr>
-        </p:nvSpPr>
-        <p:spPr/>
-      </p:sp>
-      <p:sp>
-        <p:nvSpPr>
-          <p:cNvPr id="3" name="Notes Placeholder 2"/>
-          <p:cNvSpPr>
-            <a:spLocks noGrp="1"/>
-          </p:cNvSpPr>
-          <p:nvPr>
-            <p:ph type="body" idx="1"/>
-          </p:nvPr>
-        </p:nvSpPr>
-        <p:spPr/>
-        <p:txBody>
-          <a:bodyPr/>
-          <a:lstStyle/>
-          <a:p>
             <a:r>
               <a:rPr lang="en-US" dirty="0"/>
-              <a:t>Questions?</a:t>
+              <a:t>woot</a:t>
             </a:r>
           </a:p>
         </p:txBody>
@@ -5184,7 +5016,7 @@
           <a:p>
             <a:fld id="{CED239BD-A3F0-40C5-8A6C-A7A2BD678A36}" type="slidenum">
               <a:rPr lang="en-US" smtClean="0"/>
-              <a:t>12</a:t>
+              <a:t>1</a:t>
             </a:fld>
             <a:endParaRPr lang="en-US"/>
           </a:p>
@@ -5193,7 +5025,7 @@
     </p:spTree>
     <p:extLst>
       <p:ext uri="{BB962C8B-B14F-4D97-AF65-F5344CB8AC3E}">
-        <p14:creationId xmlns:p14="http://schemas.microsoft.com/office/powerpoint/2010/main" val="3687645201"/>
+        <p14:creationId xmlns:p14="http://schemas.microsoft.com/office/powerpoint/2010/main" val="3014112891"/>
       </p:ext>
     </p:extLst>
   </p:cSld>
@@ -5203,777 +5035,7 @@
 </p:notes>
 </file>
 
-<file path=ppt/notesSlides/notesSlide2.xml><?xml version="1.0" encoding="utf-8"?>
-<p:notes xmlns:a="http://schemas.openxmlformats.org/drawingml/2006/main" xmlns:r="http://schemas.openxmlformats.org/officeDocument/2006/relationships" xmlns:p="http://schemas.openxmlformats.org/presentationml/2006/main">
-  <p:cSld>
-    <p:spTree>
-      <p:nvGrpSpPr>
-        <p:cNvPr id="1" name=""/>
-        <p:cNvGrpSpPr/>
-        <p:nvPr/>
-      </p:nvGrpSpPr>
-      <p:grpSpPr>
-        <a:xfrm>
-          <a:off x="0" y="0"/>
-          <a:ext cx="0" cy="0"/>
-          <a:chOff x="0" y="0"/>
-          <a:chExt cx="0" cy="0"/>
-        </a:xfrm>
-      </p:grpSpPr>
-      <p:sp>
-        <p:nvSpPr>
-          <p:cNvPr id="2" name="Slide Image Placeholder 1"/>
-          <p:cNvSpPr>
-            <a:spLocks noGrp="1" noRot="1" noChangeAspect="1"/>
-          </p:cNvSpPr>
-          <p:nvPr>
-            <p:ph type="sldImg"/>
-          </p:nvPr>
-        </p:nvSpPr>
-        <p:spPr/>
-      </p:sp>
-      <p:sp>
-        <p:nvSpPr>
-          <p:cNvPr id="3" name="Notes Placeholder 2"/>
-          <p:cNvSpPr>
-            <a:spLocks noGrp="1"/>
-          </p:cNvSpPr>
-          <p:nvPr>
-            <p:ph type="body" idx="1"/>
-          </p:nvPr>
-        </p:nvSpPr>
-        <p:spPr/>
-        <p:txBody>
-          <a:bodyPr/>
-          <a:lstStyle/>
-          <a:p>
-            <a:r>
-              <a:rPr lang="en-US" dirty="0"/>
-              <a:t>~The Colorado river basin is one of the most heavily managed bodies of water on earth and millions of people rely on it to meet their water needs </a:t>
-            </a:r>
-          </a:p>
-          <a:p>
-            <a:r>
-              <a:rPr lang="en-US" dirty="0"/>
-              <a:t> </a:t>
-            </a:r>
-          </a:p>
-          <a:p>
-            <a:r>
-              <a:rPr lang="en-US" dirty="0"/>
-              <a:t>~Due to on going drought, Lake Powell has had its water level drop significantly, which has stressed the ability of Glen Canyon Dam operators to meet water and hydropower demands. </a:t>
-            </a:r>
-          </a:p>
-          <a:p>
-            <a:endParaRPr lang="en-US" dirty="0"/>
-          </a:p>
-          <a:p>
-            <a:r>
-              <a:rPr lang="en-US" dirty="0"/>
-              <a:t>~A potential way to mitigate this problem is to maximize releases from Flaming Gorge Dam, bolstering the downstream flows of the Green River which eventually reach Lake Powell.  So the big picture view of my project is trying to model Flaming Gorge Dam Operations to try to identify the tradeoffs between satisfying different Flaming Gorge Management objectives to various degrees and maximizing releases to Lake Powell (next slide)</a:t>
-            </a:r>
-          </a:p>
-        </p:txBody>
-      </p:sp>
-      <p:sp>
-        <p:nvSpPr>
-          <p:cNvPr id="4" name="Slide Number Placeholder 3"/>
-          <p:cNvSpPr>
-            <a:spLocks noGrp="1"/>
-          </p:cNvSpPr>
-          <p:nvPr>
-            <p:ph type="sldNum" sz="quarter" idx="5"/>
-          </p:nvPr>
-        </p:nvSpPr>
-        <p:spPr/>
-        <p:txBody>
-          <a:bodyPr/>
-          <a:lstStyle/>
-          <a:p>
-            <a:fld id="{CED239BD-A3F0-40C5-8A6C-A7A2BD678A36}" type="slidenum">
-              <a:rPr lang="en-US" smtClean="0"/>
-              <a:t>3</a:t>
-            </a:fld>
-            <a:endParaRPr lang="en-US"/>
-          </a:p>
-        </p:txBody>
-      </p:sp>
-    </p:spTree>
-    <p:extLst>
-      <p:ext uri="{BB962C8B-B14F-4D97-AF65-F5344CB8AC3E}">
-        <p14:creationId xmlns:p14="http://schemas.microsoft.com/office/powerpoint/2010/main" val="98068169"/>
-      </p:ext>
-    </p:extLst>
-  </p:cSld>
-  <p:clrMapOvr>
-    <a:masterClrMapping/>
-  </p:clrMapOvr>
-</p:notes>
-</file>
-
-<file path=ppt/notesSlides/notesSlide3.xml><?xml version="1.0" encoding="utf-8"?>
-<p:notes xmlns:a="http://schemas.openxmlformats.org/drawingml/2006/main" xmlns:r="http://schemas.openxmlformats.org/officeDocument/2006/relationships" xmlns:p="http://schemas.openxmlformats.org/presentationml/2006/main">
-  <p:cSld>
-    <p:spTree>
-      <p:nvGrpSpPr>
-        <p:cNvPr id="1" name=""/>
-        <p:cNvGrpSpPr/>
-        <p:nvPr/>
-      </p:nvGrpSpPr>
-      <p:grpSpPr>
-        <a:xfrm>
-          <a:off x="0" y="0"/>
-          <a:ext cx="0" cy="0"/>
-          <a:chOff x="0" y="0"/>
-          <a:chExt cx="0" cy="0"/>
-        </a:xfrm>
-      </p:grpSpPr>
-      <p:sp>
-        <p:nvSpPr>
-          <p:cNvPr id="2" name="Slide Image Placeholder 1"/>
-          <p:cNvSpPr>
-            <a:spLocks noGrp="1" noRot="1" noChangeAspect="1"/>
-          </p:cNvSpPr>
-          <p:nvPr>
-            <p:ph type="sldImg"/>
-          </p:nvPr>
-        </p:nvSpPr>
-        <p:spPr/>
-      </p:sp>
-      <p:sp>
-        <p:nvSpPr>
-          <p:cNvPr id="3" name="Notes Placeholder 2"/>
-          <p:cNvSpPr>
-            <a:spLocks noGrp="1"/>
-          </p:cNvSpPr>
-          <p:nvPr>
-            <p:ph type="body" idx="1"/>
-          </p:nvPr>
-        </p:nvSpPr>
-        <p:spPr/>
-        <p:txBody>
-          <a:bodyPr/>
-          <a:lstStyle/>
-          <a:p>
-            <a:endParaRPr lang="en-US" dirty="0"/>
-          </a:p>
-          <a:p>
-            <a:r>
-              <a:rPr lang="en-US" dirty="0"/>
-              <a:t>Alright so I decided to try to model 5 different Flaming Gorge Reservoir Management objectives in addition to my imposed objective of maximizing releases to Lake Powell.</a:t>
-            </a:r>
-          </a:p>
-          <a:p>
-            <a:r>
-              <a:rPr lang="en-US" dirty="0"/>
-              <a:t>~We’ve got Hydropower which I modeled using a minimum reservoir storage constraint and outflow meeting or exceeding hydropower demand for a given time period constraint. </a:t>
-            </a:r>
-          </a:p>
-          <a:p>
-            <a:pPr marL="0" marR="0" lvl="0" indent="0" algn="l" defTabSz="914400" rtl="0" eaLnBrk="1" fontAlgn="auto" latinLnBrk="0" hangingPunct="1">
-              <a:lnSpc>
-                <a:spcPct val="100000"/>
-              </a:lnSpc>
-              <a:spcBef>
-                <a:spcPts val="0"/>
-              </a:spcBef>
-              <a:spcAft>
-                <a:spcPts val="0"/>
-              </a:spcAft>
-              <a:buClrTx/>
-              <a:buSzTx/>
-              <a:buFontTx/>
-              <a:buNone/>
-              <a:tabLst/>
-              <a:defRPr/>
-            </a:pPr>
-            <a:r>
-              <a:rPr lang="en-US" dirty="0"/>
-              <a:t>~We’ve got Flood Control which I modeled using a maximum reservoir storage constraint </a:t>
-            </a:r>
-          </a:p>
-          <a:p>
-            <a:pPr marL="0" marR="0" lvl="0" indent="0" algn="l" defTabSz="914400" rtl="0" eaLnBrk="1" fontAlgn="auto" latinLnBrk="0" hangingPunct="1">
-              <a:lnSpc>
-                <a:spcPct val="100000"/>
-              </a:lnSpc>
-              <a:spcBef>
-                <a:spcPts val="0"/>
-              </a:spcBef>
-              <a:spcAft>
-                <a:spcPts val="0"/>
-              </a:spcAft>
-              <a:buClrTx/>
-              <a:buSzTx/>
-              <a:buFontTx/>
-              <a:buNone/>
-              <a:tabLst/>
-              <a:defRPr/>
-            </a:pPr>
-            <a:r>
-              <a:rPr lang="en-US" dirty="0"/>
-              <a:t>~We’ve got Water storage and supply which I modeled using a minimum reservoir storage constraint similar to my hydropower storage constraint and as an outflow meeting or exceeding </a:t>
-            </a:r>
-            <a:r>
-              <a:rPr lang="en-US" dirty="0" err="1"/>
-              <a:t>d.s.</a:t>
-            </a:r>
-            <a:r>
-              <a:rPr lang="en-US" dirty="0"/>
-              <a:t> demands/baseflow constraint </a:t>
-            </a:r>
-          </a:p>
-          <a:p>
-            <a:pPr marL="0" marR="0" lvl="0" indent="0" algn="l" defTabSz="914400" rtl="0" eaLnBrk="1" fontAlgn="auto" latinLnBrk="0" hangingPunct="1">
-              <a:lnSpc>
-                <a:spcPct val="100000"/>
-              </a:lnSpc>
-              <a:spcBef>
-                <a:spcPts val="0"/>
-              </a:spcBef>
-              <a:spcAft>
-                <a:spcPts val="0"/>
-              </a:spcAft>
-              <a:buClrTx/>
-              <a:buSzTx/>
-              <a:buFontTx/>
-              <a:buNone/>
-              <a:tabLst/>
-              <a:defRPr/>
-            </a:pPr>
-            <a:r>
-              <a:rPr lang="en-US" dirty="0"/>
-              <a:t>~We’ve got two different environmental flow releases which I tried model as objective functions of maximizing the number of years these flows are met.  </a:t>
-            </a:r>
-          </a:p>
-          <a:p>
-            <a:r>
-              <a:rPr lang="en-US" dirty="0"/>
-              <a:t>~Finally we’ve got my imposed objective of maximizing Flaming Gorge Releases  to Lake Powell which I modeled using a summative outflow constraint over the 5 year period my model is addressing</a:t>
-            </a:r>
-          </a:p>
-          <a:p>
-            <a:endParaRPr lang="en-US" dirty="0"/>
-          </a:p>
-          <a:p>
-            <a:r>
-              <a:rPr lang="en-US" dirty="0"/>
-              <a:t>~One of the more complicated aspects of Flaming Gorge operations is meeting Environmental flow releases (next slide).</a:t>
-            </a:r>
-          </a:p>
-        </p:txBody>
-      </p:sp>
-      <p:sp>
-        <p:nvSpPr>
-          <p:cNvPr id="4" name="Slide Number Placeholder 3"/>
-          <p:cNvSpPr>
-            <a:spLocks noGrp="1"/>
-          </p:cNvSpPr>
-          <p:nvPr>
-            <p:ph type="sldNum" sz="quarter" idx="5"/>
-          </p:nvPr>
-        </p:nvSpPr>
-        <p:spPr/>
-        <p:txBody>
-          <a:bodyPr/>
-          <a:lstStyle/>
-          <a:p>
-            <a:fld id="{CED239BD-A3F0-40C5-8A6C-A7A2BD678A36}" type="slidenum">
-              <a:rPr lang="en-US" smtClean="0"/>
-              <a:t>4</a:t>
-            </a:fld>
-            <a:endParaRPr lang="en-US"/>
-          </a:p>
-        </p:txBody>
-      </p:sp>
-    </p:spTree>
-    <p:extLst>
-      <p:ext uri="{BB962C8B-B14F-4D97-AF65-F5344CB8AC3E}">
-        <p14:creationId xmlns:p14="http://schemas.microsoft.com/office/powerpoint/2010/main" val="2074706262"/>
-      </p:ext>
-    </p:extLst>
-  </p:cSld>
-  <p:clrMapOvr>
-    <a:masterClrMapping/>
-  </p:clrMapOvr>
-</p:notes>
-</file>
-
-<file path=ppt/notesSlides/notesSlide4.xml><?xml version="1.0" encoding="utf-8"?>
-<p:notes xmlns:a="http://schemas.openxmlformats.org/drawingml/2006/main" xmlns:r="http://schemas.openxmlformats.org/officeDocument/2006/relationships" xmlns:p="http://schemas.openxmlformats.org/presentationml/2006/main">
-  <p:cSld>
-    <p:spTree>
-      <p:nvGrpSpPr>
-        <p:cNvPr id="1" name=""/>
-        <p:cNvGrpSpPr/>
-        <p:nvPr/>
-      </p:nvGrpSpPr>
-      <p:grpSpPr>
-        <a:xfrm>
-          <a:off x="0" y="0"/>
-          <a:ext cx="0" cy="0"/>
-          <a:chOff x="0" y="0"/>
-          <a:chExt cx="0" cy="0"/>
-        </a:xfrm>
-      </p:grpSpPr>
-      <p:sp>
-        <p:nvSpPr>
-          <p:cNvPr id="2" name="Slide Image Placeholder 1"/>
-          <p:cNvSpPr>
-            <a:spLocks noGrp="1" noRot="1" noChangeAspect="1"/>
-          </p:cNvSpPr>
-          <p:nvPr>
-            <p:ph type="sldImg"/>
-          </p:nvPr>
-        </p:nvSpPr>
-        <p:spPr/>
-      </p:sp>
-      <p:sp>
-        <p:nvSpPr>
-          <p:cNvPr id="3" name="Notes Placeholder 2"/>
-          <p:cNvSpPr>
-            <a:spLocks noGrp="1"/>
-          </p:cNvSpPr>
-          <p:nvPr>
-            <p:ph type="body" idx="1"/>
-          </p:nvPr>
-        </p:nvSpPr>
-        <p:spPr/>
-        <p:txBody>
-          <a:bodyPr/>
-          <a:lstStyle/>
-          <a:p>
-            <a:r>
-              <a:rPr lang="en-US" dirty="0"/>
-              <a:t>~Each year Flaming Gorge operators attempt to meet 2 different environmental release flows in Reach 2 of the Green River in an effort to increase endangered native fish recruitment…(point out Reach 2, stress Yampa River)</a:t>
-            </a:r>
-          </a:p>
-          <a:p>
-            <a:endParaRPr lang="en-US" dirty="0"/>
-          </a:p>
-          <a:p>
-            <a:r>
-              <a:rPr lang="en-US" dirty="0"/>
-              <a:t>~These environmental release flows are: the Larval Trigger Release Plan (or LTRP) flows, and the Colorado Pikeminnow summer base flow experiment flows</a:t>
-            </a:r>
-          </a:p>
-          <a:p>
-            <a:endParaRPr lang="en-US" dirty="0"/>
-          </a:p>
-          <a:p>
-            <a:r>
-              <a:rPr lang="en-US" dirty="0"/>
-              <a:t>~The exact timing of these releases varies depending on when the fish are detected at key monitoring locations. However in general the LTRP flows occur in late may or early June, which I simplified to just be the beginning of June in my model, and the Colorado Pike Minnow flows generally occur from the start of July to the end of September. </a:t>
-            </a:r>
-          </a:p>
-          <a:p>
-            <a:endParaRPr lang="en-US" dirty="0"/>
-          </a:p>
-          <a:p>
-            <a:r>
-              <a:rPr lang="en-US" dirty="0"/>
-              <a:t>~The magnitude of these environmental releases also varies depending on the changing flow rate of the Yampa river, and how much water dam managers determine Flaming Gorge can afford to release. The size of these releases are varied continuously based on flows observed downstream at Jensen Utah in Reach 2. This turns out to be a huge pain to model which brings me to my next topic, of how I simplified some of these management objectives and the system itself in my model. </a:t>
-            </a:r>
-          </a:p>
-        </p:txBody>
-      </p:sp>
-      <p:sp>
-        <p:nvSpPr>
-          <p:cNvPr id="4" name="Slide Number Placeholder 3"/>
-          <p:cNvSpPr>
-            <a:spLocks noGrp="1"/>
-          </p:cNvSpPr>
-          <p:nvPr>
-            <p:ph type="sldNum" sz="quarter" idx="5"/>
-          </p:nvPr>
-        </p:nvSpPr>
-        <p:spPr/>
-        <p:txBody>
-          <a:bodyPr/>
-          <a:lstStyle/>
-          <a:p>
-            <a:fld id="{CED239BD-A3F0-40C5-8A6C-A7A2BD678A36}" type="slidenum">
-              <a:rPr lang="en-US" smtClean="0"/>
-              <a:t>5</a:t>
-            </a:fld>
-            <a:endParaRPr lang="en-US"/>
-          </a:p>
-        </p:txBody>
-      </p:sp>
-    </p:spTree>
-    <p:extLst>
-      <p:ext uri="{BB962C8B-B14F-4D97-AF65-F5344CB8AC3E}">
-        <p14:creationId xmlns:p14="http://schemas.microsoft.com/office/powerpoint/2010/main" val="4085913218"/>
-      </p:ext>
-    </p:extLst>
-  </p:cSld>
-  <p:clrMapOvr>
-    <a:masterClrMapping/>
-  </p:clrMapOvr>
-</p:notes>
-</file>
-
-<file path=ppt/notesSlides/notesSlide5.xml><?xml version="1.0" encoding="utf-8"?>
-<p:notes xmlns:a="http://schemas.openxmlformats.org/drawingml/2006/main" xmlns:r="http://schemas.openxmlformats.org/officeDocument/2006/relationships" xmlns:p="http://schemas.openxmlformats.org/presentationml/2006/main">
-  <p:cSld>
-    <p:spTree>
-      <p:nvGrpSpPr>
-        <p:cNvPr id="1" name=""/>
-        <p:cNvGrpSpPr/>
-        <p:nvPr/>
-      </p:nvGrpSpPr>
-      <p:grpSpPr>
-        <a:xfrm>
-          <a:off x="0" y="0"/>
-          <a:ext cx="0" cy="0"/>
-          <a:chOff x="0" y="0"/>
-          <a:chExt cx="0" cy="0"/>
-        </a:xfrm>
-      </p:grpSpPr>
-      <p:sp>
-        <p:nvSpPr>
-          <p:cNvPr id="2" name="Slide Image Placeholder 1"/>
-          <p:cNvSpPr>
-            <a:spLocks noGrp="1" noRot="1" noChangeAspect="1"/>
-          </p:cNvSpPr>
-          <p:nvPr>
-            <p:ph type="sldImg"/>
-          </p:nvPr>
-        </p:nvSpPr>
-        <p:spPr/>
-      </p:sp>
-      <p:sp>
-        <p:nvSpPr>
-          <p:cNvPr id="3" name="Notes Placeholder 2"/>
-          <p:cNvSpPr>
-            <a:spLocks noGrp="1"/>
-          </p:cNvSpPr>
-          <p:nvPr>
-            <p:ph type="body" idx="1"/>
-          </p:nvPr>
-        </p:nvSpPr>
-        <p:spPr/>
-        <p:txBody>
-          <a:bodyPr/>
-          <a:lstStyle/>
-          <a:p>
-            <a:r>
-              <a:rPr lang="en-US" dirty="0"/>
-              <a:t>~ As we already talked about flood control and water storage were easy to model </a:t>
-            </a:r>
-          </a:p>
-          <a:p>
-            <a:endParaRPr lang="en-US" dirty="0"/>
-          </a:p>
-          <a:p>
-            <a:endParaRPr lang="en-US" dirty="0"/>
-          </a:p>
-          <a:p>
-            <a:r>
-              <a:rPr lang="en-US" dirty="0"/>
-              <a:t>~Regarding the time varying nature of Hydropower releases, Environmental flows, and hydrologic inputs, I had to get a bit more creative. Also before I go further, it is important to note that I wanted my model to use monthly time steps so I needed all of my constraints and inflows to be in total monthly flow volumes. </a:t>
-            </a:r>
-          </a:p>
-        </p:txBody>
-      </p:sp>
-      <p:sp>
-        <p:nvSpPr>
-          <p:cNvPr id="4" name="Slide Number Placeholder 3"/>
-          <p:cNvSpPr>
-            <a:spLocks noGrp="1"/>
-          </p:cNvSpPr>
-          <p:nvPr>
-            <p:ph type="sldNum" sz="quarter" idx="5"/>
-          </p:nvPr>
-        </p:nvSpPr>
-        <p:spPr/>
-        <p:txBody>
-          <a:bodyPr/>
-          <a:lstStyle/>
-          <a:p>
-            <a:fld id="{CED239BD-A3F0-40C5-8A6C-A7A2BD678A36}" type="slidenum">
-              <a:rPr lang="en-US" smtClean="0"/>
-              <a:t>6</a:t>
-            </a:fld>
-            <a:endParaRPr lang="en-US"/>
-          </a:p>
-        </p:txBody>
-      </p:sp>
-    </p:spTree>
-    <p:extLst>
-      <p:ext uri="{BB962C8B-B14F-4D97-AF65-F5344CB8AC3E}">
-        <p14:creationId xmlns:p14="http://schemas.microsoft.com/office/powerpoint/2010/main" val="1431468499"/>
-      </p:ext>
-    </p:extLst>
-  </p:cSld>
-  <p:clrMapOvr>
-    <a:masterClrMapping/>
-  </p:clrMapOvr>
-</p:notes>
-</file>
-
-<file path=ppt/notesSlides/notesSlide6.xml><?xml version="1.0" encoding="utf-8"?>
-<p:notes xmlns:a="http://schemas.openxmlformats.org/drawingml/2006/main" xmlns:r="http://schemas.openxmlformats.org/officeDocument/2006/relationships" xmlns:p="http://schemas.openxmlformats.org/presentationml/2006/main">
-  <p:cSld>
-    <p:spTree>
-      <p:nvGrpSpPr>
-        <p:cNvPr id="1" name=""/>
-        <p:cNvGrpSpPr/>
-        <p:nvPr/>
-      </p:nvGrpSpPr>
-      <p:grpSpPr>
-        <a:xfrm>
-          <a:off x="0" y="0"/>
-          <a:ext cx="0" cy="0"/>
-          <a:chOff x="0" y="0"/>
-          <a:chExt cx="0" cy="0"/>
-        </a:xfrm>
-      </p:grpSpPr>
-      <p:sp>
-        <p:nvSpPr>
-          <p:cNvPr id="2" name="Slide Image Placeholder 1"/>
-          <p:cNvSpPr>
-            <a:spLocks noGrp="1" noRot="1" noChangeAspect="1"/>
-          </p:cNvSpPr>
-          <p:nvPr>
-            <p:ph type="sldImg"/>
-          </p:nvPr>
-        </p:nvSpPr>
-        <p:spPr/>
-      </p:sp>
-      <p:sp>
-        <p:nvSpPr>
-          <p:cNvPr id="3" name="Notes Placeholder 2"/>
-          <p:cNvSpPr>
-            <a:spLocks noGrp="1"/>
-          </p:cNvSpPr>
-          <p:nvPr>
-            <p:ph type="body" idx="1"/>
-          </p:nvPr>
-        </p:nvSpPr>
-        <p:spPr/>
-        <p:txBody>
-          <a:bodyPr/>
-          <a:lstStyle/>
-          <a:p>
-            <a:r>
-              <a:rPr lang="en-US" dirty="0"/>
-              <a:t>~Regarding hydropower releases I examined 5 years of historical hydropower release flow rates and used the minimum total monthly hydropower flows from each year as my monthly hydropower release constraint values</a:t>
-            </a:r>
-          </a:p>
-        </p:txBody>
-      </p:sp>
-      <p:sp>
-        <p:nvSpPr>
-          <p:cNvPr id="4" name="Slide Number Placeholder 3"/>
-          <p:cNvSpPr>
-            <a:spLocks noGrp="1"/>
-          </p:cNvSpPr>
-          <p:nvPr>
-            <p:ph type="sldNum" sz="quarter" idx="5"/>
-          </p:nvPr>
-        </p:nvSpPr>
-        <p:spPr/>
-        <p:txBody>
-          <a:bodyPr/>
-          <a:lstStyle/>
-          <a:p>
-            <a:fld id="{CED239BD-A3F0-40C5-8A6C-A7A2BD678A36}" type="slidenum">
-              <a:rPr lang="en-US" smtClean="0"/>
-              <a:t>7</a:t>
-            </a:fld>
-            <a:endParaRPr lang="en-US"/>
-          </a:p>
-        </p:txBody>
-      </p:sp>
-    </p:spTree>
-    <p:extLst>
-      <p:ext uri="{BB962C8B-B14F-4D97-AF65-F5344CB8AC3E}">
-        <p14:creationId xmlns:p14="http://schemas.microsoft.com/office/powerpoint/2010/main" val="1337218625"/>
-      </p:ext>
-    </p:extLst>
-  </p:cSld>
-  <p:clrMapOvr>
-    <a:masterClrMapping/>
-  </p:clrMapOvr>
-</p:notes>
-</file>
-
-<file path=ppt/notesSlides/notesSlide7.xml><?xml version="1.0" encoding="utf-8"?>
-<p:notes xmlns:a="http://schemas.openxmlformats.org/drawingml/2006/main" xmlns:r="http://schemas.openxmlformats.org/officeDocument/2006/relationships" xmlns:p="http://schemas.openxmlformats.org/presentationml/2006/main">
-  <p:cSld>
-    <p:spTree>
-      <p:nvGrpSpPr>
-        <p:cNvPr id="1" name=""/>
-        <p:cNvGrpSpPr/>
-        <p:nvPr/>
-      </p:nvGrpSpPr>
-      <p:grpSpPr>
-        <a:xfrm>
-          <a:off x="0" y="0"/>
-          <a:ext cx="0" cy="0"/>
-          <a:chOff x="0" y="0"/>
-          <a:chExt cx="0" cy="0"/>
-        </a:xfrm>
-      </p:grpSpPr>
-      <p:sp>
-        <p:nvSpPr>
-          <p:cNvPr id="2" name="Slide Image Placeholder 1"/>
-          <p:cNvSpPr>
-            <a:spLocks noGrp="1" noRot="1" noChangeAspect="1"/>
-          </p:cNvSpPr>
-          <p:nvPr>
-            <p:ph type="sldImg"/>
-          </p:nvPr>
-        </p:nvSpPr>
-        <p:spPr/>
-      </p:sp>
-      <p:sp>
-        <p:nvSpPr>
-          <p:cNvPr id="3" name="Notes Placeholder 2"/>
-          <p:cNvSpPr>
-            <a:spLocks noGrp="1"/>
-          </p:cNvSpPr>
-          <p:nvPr>
-            <p:ph type="body" idx="1"/>
-          </p:nvPr>
-        </p:nvSpPr>
-        <p:spPr/>
-        <p:txBody>
-          <a:bodyPr/>
-          <a:lstStyle/>
-          <a:p>
-            <a:r>
-              <a:rPr lang="en-US" dirty="0"/>
-              <a:t>~Regarding the random nature of my hydrologic inputs to Flaming Gorge Reservoir and the Yampa River I decided to use 3 different hydrologic scenarios representing dry, average, and wet years. These scenarios were based on historical data from USGS streamflow gages located upstream of Flaming Gorge Reservoir, on the Yampa River near its confluence with the Green River, and on the Green River in Reach 2. I examined annual mean flow rates of 14 years of data and determined years that I felt fell into the categories of dry, average, and wet. I also subtracted the Yampa River flow rates from the Reach 2 Green River flow rates as a way to get at Flaming Gorge Dam releases. I then used the total monthly flow volume of Flaming Gorge Dam releases in June from each hydrologic scenario as my targeted LTRP release volumes for dry, average, and wet years. </a:t>
-            </a:r>
-          </a:p>
-        </p:txBody>
-      </p:sp>
-      <p:sp>
-        <p:nvSpPr>
-          <p:cNvPr id="4" name="Slide Number Placeholder 3"/>
-          <p:cNvSpPr>
-            <a:spLocks noGrp="1"/>
-          </p:cNvSpPr>
-          <p:nvPr>
-            <p:ph type="sldNum" sz="quarter" idx="5"/>
-          </p:nvPr>
-        </p:nvSpPr>
-        <p:spPr/>
-        <p:txBody>
-          <a:bodyPr/>
-          <a:lstStyle/>
-          <a:p>
-            <a:fld id="{CED239BD-A3F0-40C5-8A6C-A7A2BD678A36}" type="slidenum">
-              <a:rPr lang="en-US" smtClean="0"/>
-              <a:t>8</a:t>
-            </a:fld>
-            <a:endParaRPr lang="en-US"/>
-          </a:p>
-        </p:txBody>
-      </p:sp>
-    </p:spTree>
-    <p:extLst>
-      <p:ext uri="{BB962C8B-B14F-4D97-AF65-F5344CB8AC3E}">
-        <p14:creationId xmlns:p14="http://schemas.microsoft.com/office/powerpoint/2010/main" val="2213162041"/>
-      </p:ext>
-    </p:extLst>
-  </p:cSld>
-  <p:clrMapOvr>
-    <a:masterClrMapping/>
-  </p:clrMapOvr>
-</p:notes>
-</file>
-
-<file path=ppt/notesSlides/notesSlide8.xml><?xml version="1.0" encoding="utf-8"?>
-<p:notes xmlns:a="http://schemas.openxmlformats.org/drawingml/2006/main" xmlns:r="http://schemas.openxmlformats.org/officeDocument/2006/relationships" xmlns:p="http://schemas.openxmlformats.org/presentationml/2006/main">
-  <p:cSld>
-    <p:spTree>
-      <p:nvGrpSpPr>
-        <p:cNvPr id="1" name=""/>
-        <p:cNvGrpSpPr/>
-        <p:nvPr/>
-      </p:nvGrpSpPr>
-      <p:grpSpPr>
-        <a:xfrm>
-          <a:off x="0" y="0"/>
-          <a:ext cx="0" cy="0"/>
-          <a:chOff x="0" y="0"/>
-          <a:chExt cx="0" cy="0"/>
-        </a:xfrm>
-      </p:grpSpPr>
-      <p:sp>
-        <p:nvSpPr>
-          <p:cNvPr id="2" name="Slide Image Placeholder 1"/>
-          <p:cNvSpPr>
-            <a:spLocks noGrp="1" noRot="1" noChangeAspect="1"/>
-          </p:cNvSpPr>
-          <p:nvPr>
-            <p:ph type="sldImg"/>
-          </p:nvPr>
-        </p:nvSpPr>
-        <p:spPr/>
-      </p:sp>
-      <p:sp>
-        <p:nvSpPr>
-          <p:cNvPr id="3" name="Notes Placeholder 2"/>
-          <p:cNvSpPr>
-            <a:spLocks noGrp="1"/>
-          </p:cNvSpPr>
-          <p:nvPr>
-            <p:ph type="body" idx="1"/>
-          </p:nvPr>
-        </p:nvSpPr>
-        <p:spPr/>
-        <p:txBody>
-          <a:bodyPr/>
-          <a:lstStyle/>
-          <a:p>
-            <a:r>
-              <a:rPr lang="en-US" dirty="0"/>
-              <a:t>Next using hydrology dependent estimated average release volumes from the official 2020 to 2021 Flaming Gorge Operations Plan, I determined Flaming Gorge Dam Colorado Pikeminnow release volumes for July though September for each of my hydrologic scenarios. These were low enough that I just lumped them in with my baseflow constraint flow volumes. Speaking of which, I also used the 2020 to 2021 Flaming Gorge Operations Plan to determine baseflow release volumes for months of the year without environmental release objectives. So to recap at this point I have simplified reservoir operations and the system itself into maximum and minimum storage volumes constraints, total monthly release volume requirements for hydropower, and 3 different hydrologic scenarios where I have the total monthly flow volumes of inflows to Flaming Gorge Reservoir, baseflow releases for every month of the year which also include Colorado Pike Minnow environmental release flows, and finally a LTRP environmental release volume for the month of June. So at this point I don’t need to model the Yampa River and Reach 2 and I can focus on modeling Flaming Gorge Dam storage, and inflow and release volumes. </a:t>
-            </a:r>
-          </a:p>
-        </p:txBody>
-      </p:sp>
-      <p:sp>
-        <p:nvSpPr>
-          <p:cNvPr id="4" name="Slide Number Placeholder 3"/>
-          <p:cNvSpPr>
-            <a:spLocks noGrp="1"/>
-          </p:cNvSpPr>
-          <p:nvPr>
-            <p:ph type="sldNum" sz="quarter" idx="5"/>
-          </p:nvPr>
-        </p:nvSpPr>
-        <p:spPr/>
-        <p:txBody>
-          <a:bodyPr/>
-          <a:lstStyle/>
-          <a:p>
-            <a:fld id="{CED239BD-A3F0-40C5-8A6C-A7A2BD678A36}" type="slidenum">
-              <a:rPr lang="en-US" smtClean="0"/>
-              <a:t>9</a:t>
-            </a:fld>
-            <a:endParaRPr lang="en-US"/>
-          </a:p>
-        </p:txBody>
-      </p:sp>
-    </p:spTree>
-    <p:extLst>
-      <p:ext uri="{BB962C8B-B14F-4D97-AF65-F5344CB8AC3E}">
-        <p14:creationId xmlns:p14="http://schemas.microsoft.com/office/powerpoint/2010/main" val="271868741"/>
-      </p:ext>
-    </p:extLst>
-  </p:cSld>
-  <p:clrMapOvr>
-    <a:masterClrMapping/>
-  </p:clrMapOvr>
-</p:notes>
-</file>
-
-<file path=ppt/notesSlides/notesSlide9.xml><?xml version="1.0" encoding="utf-8"?>
+<file path=ppt/notesSlides/notesSlide10.xml><?xml version="1.0" encoding="utf-8"?>
 <p:notes xmlns:a="http://schemas.openxmlformats.org/drawingml/2006/main" xmlns:r="http://schemas.openxmlformats.org/officeDocument/2006/relationships" xmlns:p="http://schemas.openxmlformats.org/presentationml/2006/main">
   <p:cSld>
     <p:spTree>
@@ -6169,6 +5231,1031 @@
     <p:extLst>
       <p:ext uri="{BB962C8B-B14F-4D97-AF65-F5344CB8AC3E}">
         <p14:creationId xmlns:p14="http://schemas.microsoft.com/office/powerpoint/2010/main" val="2907518248"/>
+      </p:ext>
+    </p:extLst>
+  </p:cSld>
+  <p:clrMapOvr>
+    <a:masterClrMapping/>
+  </p:clrMapOvr>
+</p:notes>
+</file>
+
+<file path=ppt/notesSlides/notesSlide11.xml><?xml version="1.0" encoding="utf-8"?>
+<p:notes xmlns:a="http://schemas.openxmlformats.org/drawingml/2006/main" xmlns:r="http://schemas.openxmlformats.org/officeDocument/2006/relationships" xmlns:p="http://schemas.openxmlformats.org/presentationml/2006/main">
+  <p:cSld>
+    <p:spTree>
+      <p:nvGrpSpPr>
+        <p:cNvPr id="1" name=""/>
+        <p:cNvGrpSpPr/>
+        <p:nvPr/>
+      </p:nvGrpSpPr>
+      <p:grpSpPr>
+        <a:xfrm>
+          <a:off x="0" y="0"/>
+          <a:ext cx="0" cy="0"/>
+          <a:chOff x="0" y="0"/>
+          <a:chExt cx="0" cy="0"/>
+        </a:xfrm>
+      </p:grpSpPr>
+      <p:sp>
+        <p:nvSpPr>
+          <p:cNvPr id="2" name="Slide Image Placeholder 1"/>
+          <p:cNvSpPr>
+            <a:spLocks noGrp="1" noRot="1" noChangeAspect="1"/>
+          </p:cNvSpPr>
+          <p:nvPr>
+            <p:ph type="sldImg"/>
+          </p:nvPr>
+        </p:nvSpPr>
+        <p:spPr/>
+      </p:sp>
+      <p:sp>
+        <p:nvSpPr>
+          <p:cNvPr id="3" name="Notes Placeholder 2"/>
+          <p:cNvSpPr>
+            <a:spLocks noGrp="1"/>
+          </p:cNvSpPr>
+          <p:nvPr>
+            <p:ph type="body" idx="1"/>
+          </p:nvPr>
+        </p:nvSpPr>
+        <p:spPr/>
+        <p:txBody>
+          <a:bodyPr/>
+          <a:lstStyle/>
+          <a:p>
+            <a:endParaRPr lang="en-US" dirty="0"/>
+          </a:p>
+        </p:txBody>
+      </p:sp>
+      <p:sp>
+        <p:nvSpPr>
+          <p:cNvPr id="4" name="Slide Number Placeholder 3"/>
+          <p:cNvSpPr>
+            <a:spLocks noGrp="1"/>
+          </p:cNvSpPr>
+          <p:nvPr>
+            <p:ph type="sldNum" sz="quarter" idx="5"/>
+          </p:nvPr>
+        </p:nvSpPr>
+        <p:spPr/>
+        <p:txBody>
+          <a:bodyPr/>
+          <a:lstStyle/>
+          <a:p>
+            <a:fld id="{CED239BD-A3F0-40C5-8A6C-A7A2BD678A36}" type="slidenum">
+              <a:rPr lang="en-US" smtClean="0"/>
+              <a:t>11</a:t>
+            </a:fld>
+            <a:endParaRPr lang="en-US"/>
+          </a:p>
+        </p:txBody>
+      </p:sp>
+    </p:spTree>
+    <p:extLst>
+      <p:ext uri="{BB962C8B-B14F-4D97-AF65-F5344CB8AC3E}">
+        <p14:creationId xmlns:p14="http://schemas.microsoft.com/office/powerpoint/2010/main" val="2278515073"/>
+      </p:ext>
+    </p:extLst>
+  </p:cSld>
+  <p:clrMapOvr>
+    <a:masterClrMapping/>
+  </p:clrMapOvr>
+</p:notes>
+</file>
+
+<file path=ppt/notesSlides/notesSlide12.xml><?xml version="1.0" encoding="utf-8"?>
+<p:notes xmlns:a="http://schemas.openxmlformats.org/drawingml/2006/main" xmlns:r="http://schemas.openxmlformats.org/officeDocument/2006/relationships" xmlns:p="http://schemas.openxmlformats.org/presentationml/2006/main">
+  <p:cSld>
+    <p:spTree>
+      <p:nvGrpSpPr>
+        <p:cNvPr id="1" name=""/>
+        <p:cNvGrpSpPr/>
+        <p:nvPr/>
+      </p:nvGrpSpPr>
+      <p:grpSpPr>
+        <a:xfrm>
+          <a:off x="0" y="0"/>
+          <a:ext cx="0" cy="0"/>
+          <a:chOff x="0" y="0"/>
+          <a:chExt cx="0" cy="0"/>
+        </a:xfrm>
+      </p:grpSpPr>
+      <p:sp>
+        <p:nvSpPr>
+          <p:cNvPr id="2" name="Slide Image Placeholder 1"/>
+          <p:cNvSpPr>
+            <a:spLocks noGrp="1" noRot="1" noChangeAspect="1"/>
+          </p:cNvSpPr>
+          <p:nvPr>
+            <p:ph type="sldImg"/>
+          </p:nvPr>
+        </p:nvSpPr>
+        <p:spPr/>
+      </p:sp>
+      <p:sp>
+        <p:nvSpPr>
+          <p:cNvPr id="3" name="Notes Placeholder 2"/>
+          <p:cNvSpPr>
+            <a:spLocks noGrp="1"/>
+          </p:cNvSpPr>
+          <p:nvPr>
+            <p:ph type="body" idx="1"/>
+          </p:nvPr>
+        </p:nvSpPr>
+        <p:spPr/>
+        <p:txBody>
+          <a:bodyPr/>
+          <a:lstStyle/>
+          <a:p>
+            <a:r>
+              <a:rPr lang="en-US" dirty="0"/>
+              <a:t>Questions?</a:t>
+            </a:r>
+          </a:p>
+        </p:txBody>
+      </p:sp>
+      <p:sp>
+        <p:nvSpPr>
+          <p:cNvPr id="4" name="Slide Number Placeholder 3"/>
+          <p:cNvSpPr>
+            <a:spLocks noGrp="1"/>
+          </p:cNvSpPr>
+          <p:nvPr>
+            <p:ph type="sldNum" sz="quarter" idx="5"/>
+          </p:nvPr>
+        </p:nvSpPr>
+        <p:spPr/>
+        <p:txBody>
+          <a:bodyPr/>
+          <a:lstStyle/>
+          <a:p>
+            <a:fld id="{CED239BD-A3F0-40C5-8A6C-A7A2BD678A36}" type="slidenum">
+              <a:rPr lang="en-US" smtClean="0"/>
+              <a:t>12</a:t>
+            </a:fld>
+            <a:endParaRPr lang="en-US"/>
+          </a:p>
+        </p:txBody>
+      </p:sp>
+    </p:spTree>
+    <p:extLst>
+      <p:ext uri="{BB962C8B-B14F-4D97-AF65-F5344CB8AC3E}">
+        <p14:creationId xmlns:p14="http://schemas.microsoft.com/office/powerpoint/2010/main" val="3687645201"/>
+      </p:ext>
+    </p:extLst>
+  </p:cSld>
+  <p:clrMapOvr>
+    <a:masterClrMapping/>
+  </p:clrMapOvr>
+</p:notes>
+</file>
+
+<file path=ppt/notesSlides/notesSlide2.xml><?xml version="1.0" encoding="utf-8"?>
+<p:notes xmlns:a="http://schemas.openxmlformats.org/drawingml/2006/main" xmlns:r="http://schemas.openxmlformats.org/officeDocument/2006/relationships" xmlns:p="http://schemas.openxmlformats.org/presentationml/2006/main">
+  <p:cSld>
+    <p:spTree>
+      <p:nvGrpSpPr>
+        <p:cNvPr id="1" name=""/>
+        <p:cNvGrpSpPr/>
+        <p:nvPr/>
+      </p:nvGrpSpPr>
+      <p:grpSpPr>
+        <a:xfrm>
+          <a:off x="0" y="0"/>
+          <a:ext cx="0" cy="0"/>
+          <a:chOff x="0" y="0"/>
+          <a:chExt cx="0" cy="0"/>
+        </a:xfrm>
+      </p:grpSpPr>
+      <p:sp>
+        <p:nvSpPr>
+          <p:cNvPr id="2" name="Slide Image Placeholder 1"/>
+          <p:cNvSpPr>
+            <a:spLocks noGrp="1" noRot="1" noChangeAspect="1"/>
+          </p:cNvSpPr>
+          <p:nvPr>
+            <p:ph type="sldImg"/>
+          </p:nvPr>
+        </p:nvSpPr>
+        <p:spPr/>
+      </p:sp>
+      <p:sp>
+        <p:nvSpPr>
+          <p:cNvPr id="3" name="Notes Placeholder 2"/>
+          <p:cNvSpPr>
+            <a:spLocks noGrp="1"/>
+          </p:cNvSpPr>
+          <p:nvPr>
+            <p:ph type="body" idx="1"/>
+          </p:nvPr>
+        </p:nvSpPr>
+        <p:spPr/>
+        <p:txBody>
+          <a:bodyPr/>
+          <a:lstStyle/>
+          <a:p>
+            <a:endParaRPr lang="en-US" dirty="0"/>
+          </a:p>
+        </p:txBody>
+      </p:sp>
+      <p:sp>
+        <p:nvSpPr>
+          <p:cNvPr id="4" name="Slide Number Placeholder 3"/>
+          <p:cNvSpPr>
+            <a:spLocks noGrp="1"/>
+          </p:cNvSpPr>
+          <p:nvPr>
+            <p:ph type="sldNum" sz="quarter" idx="5"/>
+          </p:nvPr>
+        </p:nvSpPr>
+        <p:spPr/>
+        <p:txBody>
+          <a:bodyPr/>
+          <a:lstStyle/>
+          <a:p>
+            <a:fld id="{CED239BD-A3F0-40C5-8A6C-A7A2BD678A36}" type="slidenum">
+              <a:rPr lang="en-US" smtClean="0"/>
+              <a:t>2</a:t>
+            </a:fld>
+            <a:endParaRPr lang="en-US"/>
+          </a:p>
+        </p:txBody>
+      </p:sp>
+    </p:spTree>
+    <p:extLst>
+      <p:ext uri="{BB962C8B-B14F-4D97-AF65-F5344CB8AC3E}">
+        <p14:creationId xmlns:p14="http://schemas.microsoft.com/office/powerpoint/2010/main" val="1766649295"/>
+      </p:ext>
+    </p:extLst>
+  </p:cSld>
+  <p:clrMapOvr>
+    <a:masterClrMapping/>
+  </p:clrMapOvr>
+</p:notes>
+</file>
+
+<file path=ppt/notesSlides/notesSlide3.xml><?xml version="1.0" encoding="utf-8"?>
+<p:notes xmlns:a="http://schemas.openxmlformats.org/drawingml/2006/main" xmlns:r="http://schemas.openxmlformats.org/officeDocument/2006/relationships" xmlns:p="http://schemas.openxmlformats.org/presentationml/2006/main">
+  <p:cSld>
+    <p:spTree>
+      <p:nvGrpSpPr>
+        <p:cNvPr id="1" name=""/>
+        <p:cNvGrpSpPr/>
+        <p:nvPr/>
+      </p:nvGrpSpPr>
+      <p:grpSpPr>
+        <a:xfrm>
+          <a:off x="0" y="0"/>
+          <a:ext cx="0" cy="0"/>
+          <a:chOff x="0" y="0"/>
+          <a:chExt cx="0" cy="0"/>
+        </a:xfrm>
+      </p:grpSpPr>
+      <p:sp>
+        <p:nvSpPr>
+          <p:cNvPr id="2" name="Slide Image Placeholder 1"/>
+          <p:cNvSpPr>
+            <a:spLocks noGrp="1" noRot="1" noChangeAspect="1"/>
+          </p:cNvSpPr>
+          <p:nvPr>
+            <p:ph type="sldImg"/>
+          </p:nvPr>
+        </p:nvSpPr>
+        <p:spPr/>
+      </p:sp>
+      <p:sp>
+        <p:nvSpPr>
+          <p:cNvPr id="3" name="Notes Placeholder 2"/>
+          <p:cNvSpPr>
+            <a:spLocks noGrp="1"/>
+          </p:cNvSpPr>
+          <p:nvPr>
+            <p:ph type="body" idx="1"/>
+          </p:nvPr>
+        </p:nvSpPr>
+        <p:spPr/>
+        <p:txBody>
+          <a:bodyPr/>
+          <a:lstStyle/>
+          <a:p>
+            <a:r>
+              <a:rPr lang="en-US" dirty="0"/>
+              <a:t>~The Colorado river basin is one of the most heavily managed bodies of water on earth and millions of people rely on it to meet their water needs </a:t>
+            </a:r>
+          </a:p>
+          <a:p>
+            <a:r>
+              <a:rPr lang="en-US" dirty="0"/>
+              <a:t> </a:t>
+            </a:r>
+          </a:p>
+          <a:p>
+            <a:r>
+              <a:rPr lang="en-US" dirty="0"/>
+              <a:t>~Due to on going drought, Lake Powell has had its water level drop significantly, which has stressed the ability of Glen Canyon Dam operators to meet water and hydropower demands. </a:t>
+            </a:r>
+          </a:p>
+          <a:p>
+            <a:endParaRPr lang="en-US" dirty="0"/>
+          </a:p>
+          <a:p>
+            <a:r>
+              <a:rPr lang="en-US" dirty="0"/>
+              <a:t>~A potential way to mitigate this problem is to maximize releases from Flaming Gorge Dam, bolstering the downstream flows of the Green River which eventually reach Lake Powell.  So the big picture view of my project is trying to model Flaming Gorge Dam Operations to try to identify the tradeoffs between satisfying different Flaming Gorge Management objectives to various degrees and maximizing releases to Lake Powell (next slide)</a:t>
+            </a:r>
+          </a:p>
+        </p:txBody>
+      </p:sp>
+      <p:sp>
+        <p:nvSpPr>
+          <p:cNvPr id="4" name="Slide Number Placeholder 3"/>
+          <p:cNvSpPr>
+            <a:spLocks noGrp="1"/>
+          </p:cNvSpPr>
+          <p:nvPr>
+            <p:ph type="sldNum" sz="quarter" idx="5"/>
+          </p:nvPr>
+        </p:nvSpPr>
+        <p:spPr/>
+        <p:txBody>
+          <a:bodyPr/>
+          <a:lstStyle/>
+          <a:p>
+            <a:fld id="{CED239BD-A3F0-40C5-8A6C-A7A2BD678A36}" type="slidenum">
+              <a:rPr lang="en-US" smtClean="0"/>
+              <a:t>3</a:t>
+            </a:fld>
+            <a:endParaRPr lang="en-US"/>
+          </a:p>
+        </p:txBody>
+      </p:sp>
+    </p:spTree>
+    <p:extLst>
+      <p:ext uri="{BB962C8B-B14F-4D97-AF65-F5344CB8AC3E}">
+        <p14:creationId xmlns:p14="http://schemas.microsoft.com/office/powerpoint/2010/main" val="98068169"/>
+      </p:ext>
+    </p:extLst>
+  </p:cSld>
+  <p:clrMapOvr>
+    <a:masterClrMapping/>
+  </p:clrMapOvr>
+</p:notes>
+</file>
+
+<file path=ppt/notesSlides/notesSlide4.xml><?xml version="1.0" encoding="utf-8"?>
+<p:notes xmlns:a="http://schemas.openxmlformats.org/drawingml/2006/main" xmlns:r="http://schemas.openxmlformats.org/officeDocument/2006/relationships" xmlns:p="http://schemas.openxmlformats.org/presentationml/2006/main">
+  <p:cSld>
+    <p:spTree>
+      <p:nvGrpSpPr>
+        <p:cNvPr id="1" name=""/>
+        <p:cNvGrpSpPr/>
+        <p:nvPr/>
+      </p:nvGrpSpPr>
+      <p:grpSpPr>
+        <a:xfrm>
+          <a:off x="0" y="0"/>
+          <a:ext cx="0" cy="0"/>
+          <a:chOff x="0" y="0"/>
+          <a:chExt cx="0" cy="0"/>
+        </a:xfrm>
+      </p:grpSpPr>
+      <p:sp>
+        <p:nvSpPr>
+          <p:cNvPr id="2" name="Slide Image Placeholder 1"/>
+          <p:cNvSpPr>
+            <a:spLocks noGrp="1" noRot="1" noChangeAspect="1"/>
+          </p:cNvSpPr>
+          <p:nvPr>
+            <p:ph type="sldImg"/>
+          </p:nvPr>
+        </p:nvSpPr>
+        <p:spPr/>
+      </p:sp>
+      <p:sp>
+        <p:nvSpPr>
+          <p:cNvPr id="3" name="Notes Placeholder 2"/>
+          <p:cNvSpPr>
+            <a:spLocks noGrp="1"/>
+          </p:cNvSpPr>
+          <p:nvPr>
+            <p:ph type="body" idx="1"/>
+          </p:nvPr>
+        </p:nvSpPr>
+        <p:spPr/>
+        <p:txBody>
+          <a:bodyPr/>
+          <a:lstStyle/>
+          <a:p>
+            <a:endParaRPr lang="en-US" dirty="0"/>
+          </a:p>
+          <a:p>
+            <a:r>
+              <a:rPr lang="en-US" dirty="0"/>
+              <a:t>Alright so I decided to try to model 5 different Flaming Gorge Reservoir Management objectives in addition to my imposed objective of maximizing releases to Lake Powell.</a:t>
+            </a:r>
+          </a:p>
+          <a:p>
+            <a:r>
+              <a:rPr lang="en-US" dirty="0"/>
+              <a:t>~We’ve got Hydropower which I modeled using a minimum reservoir storage constraint and outflow meeting or exceeding hydropower demand for a given time period constraint. </a:t>
+            </a:r>
+          </a:p>
+          <a:p>
+            <a:pPr marL="0" marR="0" lvl="0" indent="0" algn="l" defTabSz="914400" rtl="0" eaLnBrk="1" fontAlgn="auto" latinLnBrk="0" hangingPunct="1">
+              <a:lnSpc>
+                <a:spcPct val="100000"/>
+              </a:lnSpc>
+              <a:spcBef>
+                <a:spcPts val="0"/>
+              </a:spcBef>
+              <a:spcAft>
+                <a:spcPts val="0"/>
+              </a:spcAft>
+              <a:buClrTx/>
+              <a:buSzTx/>
+              <a:buFontTx/>
+              <a:buNone/>
+              <a:tabLst/>
+              <a:defRPr/>
+            </a:pPr>
+            <a:r>
+              <a:rPr lang="en-US" dirty="0"/>
+              <a:t>~We’ve got Flood Control which I modeled using a maximum reservoir storage constraint </a:t>
+            </a:r>
+          </a:p>
+          <a:p>
+            <a:pPr marL="0" marR="0" lvl="0" indent="0" algn="l" defTabSz="914400" rtl="0" eaLnBrk="1" fontAlgn="auto" latinLnBrk="0" hangingPunct="1">
+              <a:lnSpc>
+                <a:spcPct val="100000"/>
+              </a:lnSpc>
+              <a:spcBef>
+                <a:spcPts val="0"/>
+              </a:spcBef>
+              <a:spcAft>
+                <a:spcPts val="0"/>
+              </a:spcAft>
+              <a:buClrTx/>
+              <a:buSzTx/>
+              <a:buFontTx/>
+              <a:buNone/>
+              <a:tabLst/>
+              <a:defRPr/>
+            </a:pPr>
+            <a:r>
+              <a:rPr lang="en-US" dirty="0"/>
+              <a:t>~We’ve got Water storage and supply which I modeled using a minimum reservoir storage constraint similar to my hydropower storage constraint and as an outflow meeting or exceeding </a:t>
+            </a:r>
+            <a:r>
+              <a:rPr lang="en-US" dirty="0" err="1"/>
+              <a:t>d.s.</a:t>
+            </a:r>
+            <a:r>
+              <a:rPr lang="en-US" dirty="0"/>
+              <a:t> demands/baseflow constraint </a:t>
+            </a:r>
+          </a:p>
+          <a:p>
+            <a:pPr marL="0" marR="0" lvl="0" indent="0" algn="l" defTabSz="914400" rtl="0" eaLnBrk="1" fontAlgn="auto" latinLnBrk="0" hangingPunct="1">
+              <a:lnSpc>
+                <a:spcPct val="100000"/>
+              </a:lnSpc>
+              <a:spcBef>
+                <a:spcPts val="0"/>
+              </a:spcBef>
+              <a:spcAft>
+                <a:spcPts val="0"/>
+              </a:spcAft>
+              <a:buClrTx/>
+              <a:buSzTx/>
+              <a:buFontTx/>
+              <a:buNone/>
+              <a:tabLst/>
+              <a:defRPr/>
+            </a:pPr>
+            <a:r>
+              <a:rPr lang="en-US" dirty="0"/>
+              <a:t>~We’ve got two different environmental flow releases which I tried model as objective functions of maximizing the number of years these flows are met.  </a:t>
+            </a:r>
+          </a:p>
+          <a:p>
+            <a:r>
+              <a:rPr lang="en-US" dirty="0"/>
+              <a:t>~Finally we’ve got my imposed objective of maximizing Flaming Gorge Releases  to Lake Powell which I modeled using a summative outflow constraint over the 5 year period my model is addressing</a:t>
+            </a:r>
+          </a:p>
+          <a:p>
+            <a:endParaRPr lang="en-US" dirty="0"/>
+          </a:p>
+          <a:p>
+            <a:r>
+              <a:rPr lang="en-US" dirty="0"/>
+              <a:t>~One of the more complicated aspects of Flaming Gorge operations is meeting Environmental flow releases (next slide).</a:t>
+            </a:r>
+          </a:p>
+        </p:txBody>
+      </p:sp>
+      <p:sp>
+        <p:nvSpPr>
+          <p:cNvPr id="4" name="Slide Number Placeholder 3"/>
+          <p:cNvSpPr>
+            <a:spLocks noGrp="1"/>
+          </p:cNvSpPr>
+          <p:nvPr>
+            <p:ph type="sldNum" sz="quarter" idx="5"/>
+          </p:nvPr>
+        </p:nvSpPr>
+        <p:spPr/>
+        <p:txBody>
+          <a:bodyPr/>
+          <a:lstStyle/>
+          <a:p>
+            <a:fld id="{CED239BD-A3F0-40C5-8A6C-A7A2BD678A36}" type="slidenum">
+              <a:rPr lang="en-US" smtClean="0"/>
+              <a:t>4</a:t>
+            </a:fld>
+            <a:endParaRPr lang="en-US"/>
+          </a:p>
+        </p:txBody>
+      </p:sp>
+    </p:spTree>
+    <p:extLst>
+      <p:ext uri="{BB962C8B-B14F-4D97-AF65-F5344CB8AC3E}">
+        <p14:creationId xmlns:p14="http://schemas.microsoft.com/office/powerpoint/2010/main" val="2074706262"/>
+      </p:ext>
+    </p:extLst>
+  </p:cSld>
+  <p:clrMapOvr>
+    <a:masterClrMapping/>
+  </p:clrMapOvr>
+</p:notes>
+</file>
+
+<file path=ppt/notesSlides/notesSlide5.xml><?xml version="1.0" encoding="utf-8"?>
+<p:notes xmlns:a="http://schemas.openxmlformats.org/drawingml/2006/main" xmlns:r="http://schemas.openxmlformats.org/officeDocument/2006/relationships" xmlns:p="http://schemas.openxmlformats.org/presentationml/2006/main">
+  <p:cSld>
+    <p:spTree>
+      <p:nvGrpSpPr>
+        <p:cNvPr id="1" name=""/>
+        <p:cNvGrpSpPr/>
+        <p:nvPr/>
+      </p:nvGrpSpPr>
+      <p:grpSpPr>
+        <a:xfrm>
+          <a:off x="0" y="0"/>
+          <a:ext cx="0" cy="0"/>
+          <a:chOff x="0" y="0"/>
+          <a:chExt cx="0" cy="0"/>
+        </a:xfrm>
+      </p:grpSpPr>
+      <p:sp>
+        <p:nvSpPr>
+          <p:cNvPr id="2" name="Slide Image Placeholder 1"/>
+          <p:cNvSpPr>
+            <a:spLocks noGrp="1" noRot="1" noChangeAspect="1"/>
+          </p:cNvSpPr>
+          <p:nvPr>
+            <p:ph type="sldImg"/>
+          </p:nvPr>
+        </p:nvSpPr>
+        <p:spPr/>
+      </p:sp>
+      <p:sp>
+        <p:nvSpPr>
+          <p:cNvPr id="3" name="Notes Placeholder 2"/>
+          <p:cNvSpPr>
+            <a:spLocks noGrp="1"/>
+          </p:cNvSpPr>
+          <p:nvPr>
+            <p:ph type="body" idx="1"/>
+          </p:nvPr>
+        </p:nvSpPr>
+        <p:spPr/>
+        <p:txBody>
+          <a:bodyPr/>
+          <a:lstStyle/>
+          <a:p>
+            <a:r>
+              <a:rPr lang="en-US" dirty="0"/>
+              <a:t>~Each year Flaming Gorge operators attempt to meet 2 different environmental release flows in Reach 2 of the Green River in an effort to increase endangered native fish recruitment…(point out Reach 2, stress Yampa River)</a:t>
+            </a:r>
+          </a:p>
+          <a:p>
+            <a:endParaRPr lang="en-US" dirty="0"/>
+          </a:p>
+          <a:p>
+            <a:r>
+              <a:rPr lang="en-US" dirty="0"/>
+              <a:t>~These environmental release flows are: the Larval Trigger Release Plan (or LTRP) flows, and the Colorado Pikeminnow summer base flow experiment flows</a:t>
+            </a:r>
+          </a:p>
+          <a:p>
+            <a:endParaRPr lang="en-US" dirty="0"/>
+          </a:p>
+          <a:p>
+            <a:r>
+              <a:rPr lang="en-US" dirty="0"/>
+              <a:t>~The exact timing of these releases varies depending on when the fish are detected at key monitoring locations. However in general the LTRP flows occur in late may or early June, which I simplified to just be the beginning of June in my model, and the Colorado Pike Minnow flows generally occur from the start of July to the end of September. </a:t>
+            </a:r>
+          </a:p>
+          <a:p>
+            <a:endParaRPr lang="en-US" dirty="0"/>
+          </a:p>
+          <a:p>
+            <a:r>
+              <a:rPr lang="en-US" dirty="0"/>
+              <a:t>~The magnitude of these environmental releases also varies depending on the changing flow rate of the Yampa river, and how much water dam managers determine Flaming Gorge can afford to release. The size of these releases are varied continuously based on flows observed downstream at Jensen Utah in Reach 2. This turns out to be a huge pain to model which brings me to my next topic, of how I simplified some of these management objectives and the system itself in my model. </a:t>
+            </a:r>
+          </a:p>
+        </p:txBody>
+      </p:sp>
+      <p:sp>
+        <p:nvSpPr>
+          <p:cNvPr id="4" name="Slide Number Placeholder 3"/>
+          <p:cNvSpPr>
+            <a:spLocks noGrp="1"/>
+          </p:cNvSpPr>
+          <p:nvPr>
+            <p:ph type="sldNum" sz="quarter" idx="5"/>
+          </p:nvPr>
+        </p:nvSpPr>
+        <p:spPr/>
+        <p:txBody>
+          <a:bodyPr/>
+          <a:lstStyle/>
+          <a:p>
+            <a:fld id="{CED239BD-A3F0-40C5-8A6C-A7A2BD678A36}" type="slidenum">
+              <a:rPr lang="en-US" smtClean="0"/>
+              <a:t>5</a:t>
+            </a:fld>
+            <a:endParaRPr lang="en-US"/>
+          </a:p>
+        </p:txBody>
+      </p:sp>
+    </p:spTree>
+    <p:extLst>
+      <p:ext uri="{BB962C8B-B14F-4D97-AF65-F5344CB8AC3E}">
+        <p14:creationId xmlns:p14="http://schemas.microsoft.com/office/powerpoint/2010/main" val="4085913218"/>
+      </p:ext>
+    </p:extLst>
+  </p:cSld>
+  <p:clrMapOvr>
+    <a:masterClrMapping/>
+  </p:clrMapOvr>
+</p:notes>
+</file>
+
+<file path=ppt/notesSlides/notesSlide6.xml><?xml version="1.0" encoding="utf-8"?>
+<p:notes xmlns:a="http://schemas.openxmlformats.org/drawingml/2006/main" xmlns:r="http://schemas.openxmlformats.org/officeDocument/2006/relationships" xmlns:p="http://schemas.openxmlformats.org/presentationml/2006/main">
+  <p:cSld>
+    <p:spTree>
+      <p:nvGrpSpPr>
+        <p:cNvPr id="1" name=""/>
+        <p:cNvGrpSpPr/>
+        <p:nvPr/>
+      </p:nvGrpSpPr>
+      <p:grpSpPr>
+        <a:xfrm>
+          <a:off x="0" y="0"/>
+          <a:ext cx="0" cy="0"/>
+          <a:chOff x="0" y="0"/>
+          <a:chExt cx="0" cy="0"/>
+        </a:xfrm>
+      </p:grpSpPr>
+      <p:sp>
+        <p:nvSpPr>
+          <p:cNvPr id="2" name="Slide Image Placeholder 1"/>
+          <p:cNvSpPr>
+            <a:spLocks noGrp="1" noRot="1" noChangeAspect="1"/>
+          </p:cNvSpPr>
+          <p:nvPr>
+            <p:ph type="sldImg"/>
+          </p:nvPr>
+        </p:nvSpPr>
+        <p:spPr/>
+      </p:sp>
+      <p:sp>
+        <p:nvSpPr>
+          <p:cNvPr id="3" name="Notes Placeholder 2"/>
+          <p:cNvSpPr>
+            <a:spLocks noGrp="1"/>
+          </p:cNvSpPr>
+          <p:nvPr>
+            <p:ph type="body" idx="1"/>
+          </p:nvPr>
+        </p:nvSpPr>
+        <p:spPr/>
+        <p:txBody>
+          <a:bodyPr/>
+          <a:lstStyle/>
+          <a:p>
+            <a:r>
+              <a:rPr lang="en-US" dirty="0"/>
+              <a:t>~ As we already talked about flood control and water storage were easy to model </a:t>
+            </a:r>
+          </a:p>
+          <a:p>
+            <a:endParaRPr lang="en-US" dirty="0"/>
+          </a:p>
+          <a:p>
+            <a:endParaRPr lang="en-US" dirty="0"/>
+          </a:p>
+          <a:p>
+            <a:r>
+              <a:rPr lang="en-US" dirty="0"/>
+              <a:t>~Regarding the time varying nature of Hydropower releases, Environmental flows, and hydrologic inputs, I had to get a bit more creative. Also before I go further, it is important to note that I wanted my model to use monthly time steps so I needed all of my constraints and inflows to be in total monthly flow volumes. </a:t>
+            </a:r>
+          </a:p>
+        </p:txBody>
+      </p:sp>
+      <p:sp>
+        <p:nvSpPr>
+          <p:cNvPr id="4" name="Slide Number Placeholder 3"/>
+          <p:cNvSpPr>
+            <a:spLocks noGrp="1"/>
+          </p:cNvSpPr>
+          <p:nvPr>
+            <p:ph type="sldNum" sz="quarter" idx="5"/>
+          </p:nvPr>
+        </p:nvSpPr>
+        <p:spPr/>
+        <p:txBody>
+          <a:bodyPr/>
+          <a:lstStyle/>
+          <a:p>
+            <a:fld id="{CED239BD-A3F0-40C5-8A6C-A7A2BD678A36}" type="slidenum">
+              <a:rPr lang="en-US" smtClean="0"/>
+              <a:t>6</a:t>
+            </a:fld>
+            <a:endParaRPr lang="en-US"/>
+          </a:p>
+        </p:txBody>
+      </p:sp>
+    </p:spTree>
+    <p:extLst>
+      <p:ext uri="{BB962C8B-B14F-4D97-AF65-F5344CB8AC3E}">
+        <p14:creationId xmlns:p14="http://schemas.microsoft.com/office/powerpoint/2010/main" val="1431468499"/>
+      </p:ext>
+    </p:extLst>
+  </p:cSld>
+  <p:clrMapOvr>
+    <a:masterClrMapping/>
+  </p:clrMapOvr>
+</p:notes>
+</file>
+
+<file path=ppt/notesSlides/notesSlide7.xml><?xml version="1.0" encoding="utf-8"?>
+<p:notes xmlns:a="http://schemas.openxmlformats.org/drawingml/2006/main" xmlns:r="http://schemas.openxmlformats.org/officeDocument/2006/relationships" xmlns:p="http://schemas.openxmlformats.org/presentationml/2006/main">
+  <p:cSld>
+    <p:spTree>
+      <p:nvGrpSpPr>
+        <p:cNvPr id="1" name=""/>
+        <p:cNvGrpSpPr/>
+        <p:nvPr/>
+      </p:nvGrpSpPr>
+      <p:grpSpPr>
+        <a:xfrm>
+          <a:off x="0" y="0"/>
+          <a:ext cx="0" cy="0"/>
+          <a:chOff x="0" y="0"/>
+          <a:chExt cx="0" cy="0"/>
+        </a:xfrm>
+      </p:grpSpPr>
+      <p:sp>
+        <p:nvSpPr>
+          <p:cNvPr id="2" name="Slide Image Placeholder 1"/>
+          <p:cNvSpPr>
+            <a:spLocks noGrp="1" noRot="1" noChangeAspect="1"/>
+          </p:cNvSpPr>
+          <p:nvPr>
+            <p:ph type="sldImg"/>
+          </p:nvPr>
+        </p:nvSpPr>
+        <p:spPr/>
+      </p:sp>
+      <p:sp>
+        <p:nvSpPr>
+          <p:cNvPr id="3" name="Notes Placeholder 2"/>
+          <p:cNvSpPr>
+            <a:spLocks noGrp="1"/>
+          </p:cNvSpPr>
+          <p:nvPr>
+            <p:ph type="body" idx="1"/>
+          </p:nvPr>
+        </p:nvSpPr>
+        <p:spPr/>
+        <p:txBody>
+          <a:bodyPr/>
+          <a:lstStyle/>
+          <a:p>
+            <a:r>
+              <a:rPr lang="en-US" dirty="0"/>
+              <a:t>~Regarding hydropower releases I examined 5 years of historical hydropower release flow rates and used the minimum total monthly hydropower flows from each year as my monthly hydropower release constraint values</a:t>
+            </a:r>
+          </a:p>
+        </p:txBody>
+      </p:sp>
+      <p:sp>
+        <p:nvSpPr>
+          <p:cNvPr id="4" name="Slide Number Placeholder 3"/>
+          <p:cNvSpPr>
+            <a:spLocks noGrp="1"/>
+          </p:cNvSpPr>
+          <p:nvPr>
+            <p:ph type="sldNum" sz="quarter" idx="5"/>
+          </p:nvPr>
+        </p:nvSpPr>
+        <p:spPr/>
+        <p:txBody>
+          <a:bodyPr/>
+          <a:lstStyle/>
+          <a:p>
+            <a:fld id="{CED239BD-A3F0-40C5-8A6C-A7A2BD678A36}" type="slidenum">
+              <a:rPr lang="en-US" smtClean="0"/>
+              <a:t>7</a:t>
+            </a:fld>
+            <a:endParaRPr lang="en-US"/>
+          </a:p>
+        </p:txBody>
+      </p:sp>
+    </p:spTree>
+    <p:extLst>
+      <p:ext uri="{BB962C8B-B14F-4D97-AF65-F5344CB8AC3E}">
+        <p14:creationId xmlns:p14="http://schemas.microsoft.com/office/powerpoint/2010/main" val="1337218625"/>
+      </p:ext>
+    </p:extLst>
+  </p:cSld>
+  <p:clrMapOvr>
+    <a:masterClrMapping/>
+  </p:clrMapOvr>
+</p:notes>
+</file>
+
+<file path=ppt/notesSlides/notesSlide8.xml><?xml version="1.0" encoding="utf-8"?>
+<p:notes xmlns:a="http://schemas.openxmlformats.org/drawingml/2006/main" xmlns:r="http://schemas.openxmlformats.org/officeDocument/2006/relationships" xmlns:p="http://schemas.openxmlformats.org/presentationml/2006/main">
+  <p:cSld>
+    <p:spTree>
+      <p:nvGrpSpPr>
+        <p:cNvPr id="1" name=""/>
+        <p:cNvGrpSpPr/>
+        <p:nvPr/>
+      </p:nvGrpSpPr>
+      <p:grpSpPr>
+        <a:xfrm>
+          <a:off x="0" y="0"/>
+          <a:ext cx="0" cy="0"/>
+          <a:chOff x="0" y="0"/>
+          <a:chExt cx="0" cy="0"/>
+        </a:xfrm>
+      </p:grpSpPr>
+      <p:sp>
+        <p:nvSpPr>
+          <p:cNvPr id="2" name="Slide Image Placeholder 1"/>
+          <p:cNvSpPr>
+            <a:spLocks noGrp="1" noRot="1" noChangeAspect="1"/>
+          </p:cNvSpPr>
+          <p:nvPr>
+            <p:ph type="sldImg"/>
+          </p:nvPr>
+        </p:nvSpPr>
+        <p:spPr/>
+      </p:sp>
+      <p:sp>
+        <p:nvSpPr>
+          <p:cNvPr id="3" name="Notes Placeholder 2"/>
+          <p:cNvSpPr>
+            <a:spLocks noGrp="1"/>
+          </p:cNvSpPr>
+          <p:nvPr>
+            <p:ph type="body" idx="1"/>
+          </p:nvPr>
+        </p:nvSpPr>
+        <p:spPr/>
+        <p:txBody>
+          <a:bodyPr/>
+          <a:lstStyle/>
+          <a:p>
+            <a:r>
+              <a:rPr lang="en-US" dirty="0"/>
+              <a:t>~Regarding the random nature of my hydrologic inputs to Flaming Gorge Reservoir and the Yampa River I decided to use 3 different hydrologic scenarios representing dry, average, and wet years. These scenarios were based on historical data from USGS streamflow gages located upstream of Flaming Gorge Reservoir, on the Yampa River near its confluence with the Green River, and on the Green River in Reach 2. I examined annual mean flow rates of 14 years of data and determined years that I felt fell into the categories of dry, average, and wet. I also subtracted the Yampa River flow rates from the Reach 2 Green River flow rates as a way to get at Flaming Gorge Dam releases. I then used the total monthly flow volume of Flaming Gorge Dam releases in June from each hydrologic scenario as my targeted LTRP release volumes for dry, average, and wet years. </a:t>
+            </a:r>
+          </a:p>
+        </p:txBody>
+      </p:sp>
+      <p:sp>
+        <p:nvSpPr>
+          <p:cNvPr id="4" name="Slide Number Placeholder 3"/>
+          <p:cNvSpPr>
+            <a:spLocks noGrp="1"/>
+          </p:cNvSpPr>
+          <p:nvPr>
+            <p:ph type="sldNum" sz="quarter" idx="5"/>
+          </p:nvPr>
+        </p:nvSpPr>
+        <p:spPr/>
+        <p:txBody>
+          <a:bodyPr/>
+          <a:lstStyle/>
+          <a:p>
+            <a:fld id="{CED239BD-A3F0-40C5-8A6C-A7A2BD678A36}" type="slidenum">
+              <a:rPr lang="en-US" smtClean="0"/>
+              <a:t>8</a:t>
+            </a:fld>
+            <a:endParaRPr lang="en-US"/>
+          </a:p>
+        </p:txBody>
+      </p:sp>
+    </p:spTree>
+    <p:extLst>
+      <p:ext uri="{BB962C8B-B14F-4D97-AF65-F5344CB8AC3E}">
+        <p14:creationId xmlns:p14="http://schemas.microsoft.com/office/powerpoint/2010/main" val="2213162041"/>
+      </p:ext>
+    </p:extLst>
+  </p:cSld>
+  <p:clrMapOvr>
+    <a:masterClrMapping/>
+  </p:clrMapOvr>
+</p:notes>
+</file>
+
+<file path=ppt/notesSlides/notesSlide9.xml><?xml version="1.0" encoding="utf-8"?>
+<p:notes xmlns:a="http://schemas.openxmlformats.org/drawingml/2006/main" xmlns:r="http://schemas.openxmlformats.org/officeDocument/2006/relationships" xmlns:p="http://schemas.openxmlformats.org/presentationml/2006/main">
+  <p:cSld>
+    <p:spTree>
+      <p:nvGrpSpPr>
+        <p:cNvPr id="1" name=""/>
+        <p:cNvGrpSpPr/>
+        <p:nvPr/>
+      </p:nvGrpSpPr>
+      <p:grpSpPr>
+        <a:xfrm>
+          <a:off x="0" y="0"/>
+          <a:ext cx="0" cy="0"/>
+          <a:chOff x="0" y="0"/>
+          <a:chExt cx="0" cy="0"/>
+        </a:xfrm>
+      </p:grpSpPr>
+      <p:sp>
+        <p:nvSpPr>
+          <p:cNvPr id="2" name="Slide Image Placeholder 1"/>
+          <p:cNvSpPr>
+            <a:spLocks noGrp="1" noRot="1" noChangeAspect="1"/>
+          </p:cNvSpPr>
+          <p:nvPr>
+            <p:ph type="sldImg"/>
+          </p:nvPr>
+        </p:nvSpPr>
+        <p:spPr/>
+      </p:sp>
+      <p:sp>
+        <p:nvSpPr>
+          <p:cNvPr id="3" name="Notes Placeholder 2"/>
+          <p:cNvSpPr>
+            <a:spLocks noGrp="1"/>
+          </p:cNvSpPr>
+          <p:nvPr>
+            <p:ph type="body" idx="1"/>
+          </p:nvPr>
+        </p:nvSpPr>
+        <p:spPr/>
+        <p:txBody>
+          <a:bodyPr/>
+          <a:lstStyle/>
+          <a:p>
+            <a:r>
+              <a:rPr lang="en-US" dirty="0"/>
+              <a:t>Next using hydrology dependent estimated average release volumes from the official 2020 to 2021 Flaming Gorge Operations Plan, I determined Flaming Gorge Dam Colorado Pikeminnow release volumes for July though September for each of my hydrologic scenarios. These were low enough that I just lumped them in with my baseflow constraint flow volumes. Speaking of which, I also used the 2020 to 2021 Flaming Gorge Operations Plan to determine baseflow release volumes for months of the year without environmental release objectives. So to recap at this point I have simplified reservoir operations and the system itself into maximum and minimum storage volumes constraints, total monthly release volume requirements for hydropower, and 3 different hydrologic scenarios where I have the total monthly flow volumes of inflows to Flaming Gorge Reservoir, baseflow releases for every month of the year which also include Colorado Pike Minnow environmental release flows, and finally a LTRP environmental release volume for the month of June. So at this point I don’t need to model the Yampa River and Reach 2 and I can focus on modeling Flaming Gorge Dam storage, and inflow and release volumes. </a:t>
+            </a:r>
+          </a:p>
+        </p:txBody>
+      </p:sp>
+      <p:sp>
+        <p:nvSpPr>
+          <p:cNvPr id="4" name="Slide Number Placeholder 3"/>
+          <p:cNvSpPr>
+            <a:spLocks noGrp="1"/>
+          </p:cNvSpPr>
+          <p:nvPr>
+            <p:ph type="sldNum" sz="quarter" idx="5"/>
+          </p:nvPr>
+        </p:nvSpPr>
+        <p:spPr/>
+        <p:txBody>
+          <a:bodyPr/>
+          <a:lstStyle/>
+          <a:p>
+            <a:fld id="{CED239BD-A3F0-40C5-8A6C-A7A2BD678A36}" type="slidenum">
+              <a:rPr lang="en-US" smtClean="0"/>
+              <a:t>9</a:t>
+            </a:fld>
+            <a:endParaRPr lang="en-US"/>
+          </a:p>
+        </p:txBody>
+      </p:sp>
+    </p:spTree>
+    <p:extLst>
+      <p:ext uri="{BB962C8B-B14F-4D97-AF65-F5344CB8AC3E}">
+        <p14:creationId xmlns:p14="http://schemas.microsoft.com/office/powerpoint/2010/main" val="271868741"/>
       </p:ext>
     </p:extLst>
   </p:cSld>
@@ -9443,7 +9530,7 @@
           <p:nvPr/>
         </p:nvPicPr>
         <p:blipFill rotWithShape="1">
-          <a:blip r:embed="rId2">
+          <a:blip r:embed="rId3">
             <a:extLst>
               <a:ext uri="{28A0092B-C50C-407E-A947-70E740481C1C}">
                 <a14:useLocalDpi xmlns:a14="http://schemas.microsoft.com/office/drawing/2010/main" val="0"/>
@@ -13743,13 +13830,13 @@
                         <a:rPr lang="en-US" sz="1600" i="1">
                           <a:latin typeface="Cambria Math" panose="02040503050406030204" pitchFamily="18" charset="0"/>
                         </a:rPr>
-                        <m:t>𝐻𝑦𝑑𝑟𝑜𝐹</m:t>
+                        <m:t>𝐻𝑦𝑑𝑟𝑜𝐹𝑙</m:t>
                       </m:r>
                       <m:r>
                         <a:rPr lang="en-US" sz="1600" b="0" i="1" smtClean="0">
                           <a:latin typeface="Cambria Math" panose="02040503050406030204" pitchFamily="18" charset="0"/>
                         </a:rPr>
-                        <m:t>𝑙𝑜𝑤</m:t>
+                        <m:t>𝑜𝑤</m:t>
                       </m:r>
                       <m:r>
                         <a:rPr lang="en-US" sz="1600" b="0" i="1" smtClean="0">
